--- a/Plantilla General 2020-estadisticas.pptx
+++ b/Plantilla General 2020-estadisticas.pptx
@@ -203,7 +203,7 @@
           <a:p>
             <a:fld id="{3A7985F4-B8CC-48A5-B619-C986ABA454E5}" type="datetimeFigureOut">
               <a:rPr lang="es-PE" smtClean="0"/>
-              <a:t>lun. 27/07/2020</a:t>
+              <a:t>27/07/2020</a:t>
             </a:fld>
             <a:endParaRPr lang="es-PE"/>
           </a:p>
@@ -697,7 +697,7 @@
           <a:p>
             <a:fld id="{84DE248C-07F7-42E3-8283-42E2516C9C01}" type="datetimeFigureOut">
               <a:rPr lang="es-PE" smtClean="0"/>
-              <a:t>lun. 27/07/2020</a:t>
+              <a:t>27/07/2020</a:t>
             </a:fld>
             <a:endParaRPr lang="es-PE"/>
           </a:p>
@@ -905,7 +905,7 @@
           <a:p>
             <a:fld id="{84DE248C-07F7-42E3-8283-42E2516C9C01}" type="datetimeFigureOut">
               <a:rPr lang="es-PE" smtClean="0"/>
-              <a:t>lun. 27/07/2020</a:t>
+              <a:t>27/07/2020</a:t>
             </a:fld>
             <a:endParaRPr lang="es-PE"/>
           </a:p>
@@ -1161,7 +1161,7 @@
           <a:p>
             <a:fld id="{84DE248C-07F7-42E3-8283-42E2516C9C01}" type="datetimeFigureOut">
               <a:rPr lang="es-PE" smtClean="0"/>
-              <a:t>lun. 27/07/2020</a:t>
+              <a:t>27/07/2020</a:t>
             </a:fld>
             <a:endParaRPr lang="es-PE"/>
           </a:p>
@@ -1335,7 +1335,7 @@
           <a:p>
             <a:fld id="{84DE248C-07F7-42E3-8283-42E2516C9C01}" type="datetimeFigureOut">
               <a:rPr lang="es-PE" smtClean="0"/>
-              <a:t>lun. 27/07/2020</a:t>
+              <a:t>27/07/2020</a:t>
             </a:fld>
             <a:endParaRPr lang="es-PE"/>
           </a:p>
@@ -1678,7 +1678,7 @@
           <a:p>
             <a:fld id="{84DE248C-07F7-42E3-8283-42E2516C9C01}" type="datetimeFigureOut">
               <a:rPr lang="es-PE" smtClean="0"/>
-              <a:t>lun. 27/07/2020</a:t>
+              <a:t>27/07/2020</a:t>
             </a:fld>
             <a:endParaRPr lang="es-PE"/>
           </a:p>
@@ -1953,7 +1953,7 @@
           <a:p>
             <a:fld id="{84DE248C-07F7-42E3-8283-42E2516C9C01}" type="datetimeFigureOut">
               <a:rPr lang="es-PE" smtClean="0"/>
-              <a:t>lun. 27/07/2020</a:t>
+              <a:t>27/07/2020</a:t>
             </a:fld>
             <a:endParaRPr lang="es-PE"/>
           </a:p>
@@ -2332,7 +2332,7 @@
           <a:p>
             <a:fld id="{84DE248C-07F7-42E3-8283-42E2516C9C01}" type="datetimeFigureOut">
               <a:rPr lang="es-PE" smtClean="0"/>
-              <a:t>lun. 27/07/2020</a:t>
+              <a:t>27/07/2020</a:t>
             </a:fld>
             <a:endParaRPr lang="es-PE"/>
           </a:p>
@@ -2450,7 +2450,7 @@
           <a:p>
             <a:fld id="{84DE248C-07F7-42E3-8283-42E2516C9C01}" type="datetimeFigureOut">
               <a:rPr lang="es-PE" smtClean="0"/>
-              <a:t>lun. 27/07/2020</a:t>
+              <a:t>27/07/2020</a:t>
             </a:fld>
             <a:endParaRPr lang="es-PE"/>
           </a:p>
@@ -2621,7 +2621,7 @@
           <a:p>
             <a:fld id="{84DE248C-07F7-42E3-8283-42E2516C9C01}" type="datetimeFigureOut">
               <a:rPr lang="es-PE" smtClean="0"/>
-              <a:t>lun. 27/07/2020</a:t>
+              <a:t>27/07/2020</a:t>
             </a:fld>
             <a:endParaRPr lang="es-PE"/>
           </a:p>
@@ -2975,7 +2975,7 @@
           <a:p>
             <a:fld id="{84DE248C-07F7-42E3-8283-42E2516C9C01}" type="datetimeFigureOut">
               <a:rPr lang="es-PE" smtClean="0"/>
-              <a:t>lun. 27/07/2020</a:t>
+              <a:t>27/07/2020</a:t>
             </a:fld>
             <a:endParaRPr lang="es-PE"/>
           </a:p>
@@ -3357,7 +3357,7 @@
           <a:p>
             <a:fld id="{84DE248C-07F7-42E3-8283-42E2516C9C01}" type="datetimeFigureOut">
               <a:rPr lang="es-PE" smtClean="0"/>
-              <a:t>lun. 27/07/2020</a:t>
+              <a:t>27/07/2020</a:t>
             </a:fld>
             <a:endParaRPr lang="es-PE"/>
           </a:p>
@@ -3644,7 +3644,7 @@
           <a:p>
             <a:fld id="{84DE248C-07F7-42E3-8283-42E2516C9C01}" type="datetimeFigureOut">
               <a:rPr lang="es-PE" smtClean="0"/>
-              <a:t>lun. 27/07/2020</a:t>
+              <a:t>27/07/2020</a:t>
             </a:fld>
             <a:endParaRPr lang="es-PE"/>
           </a:p>
@@ -10566,112 +10566,112 @@
           <p:nvPr>
             <p:extLst>
               <p:ext uri="{D42A27DB-BD31-4B8C-83A1-F6EECF244321}">
-                <p14:modId xmlns:p14="http://schemas.microsoft.com/office/powerpoint/2010/main" val="3540549278"/>
+                <p14:modId xmlns:p14="http://schemas.microsoft.com/office/powerpoint/2010/main" val="3128520969"/>
               </p:ext>
             </p:extLst>
           </p:nvPr>
         </p:nvGraphicFramePr>
         <p:xfrm>
-          <a:off x="1971533" y="1343073"/>
-          <a:ext cx="8248933" cy="4036327"/>
+          <a:off x="1200726" y="1343073"/>
+          <a:ext cx="9827485" cy="4022718"/>
         </p:xfrm>
         <a:graphic>
           <a:graphicData uri="http://schemas.openxmlformats.org/drawingml/2006/table">
             <a:tbl>
               <a:tblPr/>
               <a:tblGrid>
-                <a:gridCol w="3459316">
+                <a:gridCol w="4121309">
                   <a:extLst>
                     <a:ext uri="{9D8B030D-6E8A-4147-A177-3AD203B41FA5}">
                       <a16:colId xmlns:a16="http://schemas.microsoft.com/office/drawing/2014/main" val="675439367"/>
                     </a:ext>
                   </a:extLst>
                 </a:gridCol>
-                <a:gridCol w="288499">
+                <a:gridCol w="343707">
                   <a:extLst>
                     <a:ext uri="{9D8B030D-6E8A-4147-A177-3AD203B41FA5}">
                       <a16:colId xmlns:a16="http://schemas.microsoft.com/office/drawing/2014/main" val="982674067"/>
                     </a:ext>
                   </a:extLst>
                 </a:gridCol>
-                <a:gridCol w="288499">
+                <a:gridCol w="343707">
                   <a:extLst>
                     <a:ext uri="{9D8B030D-6E8A-4147-A177-3AD203B41FA5}">
                       <a16:colId xmlns:a16="http://schemas.microsoft.com/office/drawing/2014/main" val="1739428260"/>
                     </a:ext>
                   </a:extLst>
                 </a:gridCol>
-                <a:gridCol w="288499">
+                <a:gridCol w="343707">
                   <a:extLst>
                     <a:ext uri="{9D8B030D-6E8A-4147-A177-3AD203B41FA5}">
                       <a16:colId xmlns:a16="http://schemas.microsoft.com/office/drawing/2014/main" val="890381356"/>
                     </a:ext>
                   </a:extLst>
                 </a:gridCol>
-                <a:gridCol w="288499">
+                <a:gridCol w="343707">
                   <a:extLst>
                     <a:ext uri="{9D8B030D-6E8A-4147-A177-3AD203B41FA5}">
                       <a16:colId xmlns:a16="http://schemas.microsoft.com/office/drawing/2014/main" val="935251946"/>
                     </a:ext>
                   </a:extLst>
                 </a:gridCol>
-                <a:gridCol w="288499">
+                <a:gridCol w="343707">
                   <a:extLst>
                     <a:ext uri="{9D8B030D-6E8A-4147-A177-3AD203B41FA5}">
                       <a16:colId xmlns:a16="http://schemas.microsoft.com/office/drawing/2014/main" val="1537141260"/>
                     </a:ext>
                   </a:extLst>
                 </a:gridCol>
-                <a:gridCol w="288499">
+                <a:gridCol w="343707">
                   <a:extLst>
                     <a:ext uri="{9D8B030D-6E8A-4147-A177-3AD203B41FA5}">
                       <a16:colId xmlns:a16="http://schemas.microsoft.com/office/drawing/2014/main" val="844808044"/>
                     </a:ext>
                   </a:extLst>
                 </a:gridCol>
-                <a:gridCol w="288499">
+                <a:gridCol w="343707">
                   <a:extLst>
                     <a:ext uri="{9D8B030D-6E8A-4147-A177-3AD203B41FA5}">
                       <a16:colId xmlns:a16="http://schemas.microsoft.com/office/drawing/2014/main" val="3882074588"/>
                     </a:ext>
                   </a:extLst>
                 </a:gridCol>
-                <a:gridCol w="288499">
+                <a:gridCol w="343707">
                   <a:extLst>
                     <a:ext uri="{9D8B030D-6E8A-4147-A177-3AD203B41FA5}">
                       <a16:colId xmlns:a16="http://schemas.microsoft.com/office/drawing/2014/main" val="365048461"/>
                     </a:ext>
                   </a:extLst>
                 </a:gridCol>
-                <a:gridCol w="288499">
+                <a:gridCol w="343707">
                   <a:extLst>
                     <a:ext uri="{9D8B030D-6E8A-4147-A177-3AD203B41FA5}">
                       <a16:colId xmlns:a16="http://schemas.microsoft.com/office/drawing/2014/main" val="1601320009"/>
                     </a:ext>
                   </a:extLst>
                 </a:gridCol>
-                <a:gridCol w="288499">
+                <a:gridCol w="343707">
                   <a:extLst>
                     <a:ext uri="{9D8B030D-6E8A-4147-A177-3AD203B41FA5}">
                       <a16:colId xmlns:a16="http://schemas.microsoft.com/office/drawing/2014/main" val="1539897759"/>
                     </a:ext>
                   </a:extLst>
                 </a:gridCol>
-                <a:gridCol w="288499">
+                <a:gridCol w="343707">
                   <a:extLst>
                     <a:ext uri="{9D8B030D-6E8A-4147-A177-3AD203B41FA5}">
                       <a16:colId xmlns:a16="http://schemas.microsoft.com/office/drawing/2014/main" val="116366307"/>
                     </a:ext>
                   </a:extLst>
                 </a:gridCol>
-                <a:gridCol w="507544">
+                <a:gridCol w="604670">
                   <a:extLst>
                     <a:ext uri="{9D8B030D-6E8A-4147-A177-3AD203B41FA5}">
                       <a16:colId xmlns:a16="http://schemas.microsoft.com/office/drawing/2014/main" val="2586947999"/>
                     </a:ext>
                   </a:extLst>
                 </a:gridCol>
-                <a:gridCol w="1108584">
+                <a:gridCol w="1320729">
                   <a:extLst>
                     <a:ext uri="{9D8B030D-6E8A-4147-A177-3AD203B41FA5}">
                       <a16:colId xmlns:a16="http://schemas.microsoft.com/office/drawing/2014/main" val="2477143063"/>
